--- a/PPT/PythonOO09-Reflexion.pptx
+++ b/PPT/PythonOO09-Reflexion.pptx
@@ -5,10 +5,10 @@
     <p:sldMasterId id="2147483653" r:id="rId1"/>
   </p:sldMasterIdLst>
   <p:notesMasterIdLst>
-    <p:notesMasterId r:id="rId25"/>
+    <p:notesMasterId r:id="rId24"/>
   </p:notesMasterIdLst>
   <p:handoutMasterIdLst>
-    <p:handoutMasterId r:id="rId26"/>
+    <p:handoutMasterId r:id="rId25"/>
   </p:handoutMasterIdLst>
   <p:sldIdLst>
     <p:sldId id="264" r:id="rId2"/>
@@ -19,21 +19,20 @@
     <p:sldId id="289" r:id="rId7"/>
     <p:sldId id="290" r:id="rId8"/>
     <p:sldId id="291" r:id="rId9"/>
-    <p:sldId id="292" r:id="rId10"/>
-    <p:sldId id="269" r:id="rId11"/>
-    <p:sldId id="270" r:id="rId12"/>
-    <p:sldId id="271" r:id="rId13"/>
-    <p:sldId id="282" r:id="rId14"/>
-    <p:sldId id="273" r:id="rId15"/>
-    <p:sldId id="274" r:id="rId16"/>
-    <p:sldId id="275" r:id="rId17"/>
-    <p:sldId id="294" r:id="rId18"/>
-    <p:sldId id="285" r:id="rId19"/>
-    <p:sldId id="286" r:id="rId20"/>
-    <p:sldId id="287" r:id="rId21"/>
-    <p:sldId id="277" r:id="rId22"/>
-    <p:sldId id="278" r:id="rId23"/>
-    <p:sldId id="279" r:id="rId24"/>
+    <p:sldId id="269" r:id="rId10"/>
+    <p:sldId id="270" r:id="rId11"/>
+    <p:sldId id="271" r:id="rId12"/>
+    <p:sldId id="282" r:id="rId13"/>
+    <p:sldId id="273" r:id="rId14"/>
+    <p:sldId id="274" r:id="rId15"/>
+    <p:sldId id="275" r:id="rId16"/>
+    <p:sldId id="294" r:id="rId17"/>
+    <p:sldId id="285" r:id="rId18"/>
+    <p:sldId id="286" r:id="rId19"/>
+    <p:sldId id="287" r:id="rId20"/>
+    <p:sldId id="277" r:id="rId21"/>
+    <p:sldId id="278" r:id="rId22"/>
+    <p:sldId id="279" r:id="rId23"/>
   </p:sldIdLst>
   <p:sldSz cx="9144000" cy="6858000" type="screen4x3"/>
   <p:notesSz cx="6648450" cy="9782175"/>
@@ -3692,18 +3691,16 @@
           <a:p>
             <a:pPr eaLnBrk="1" hangingPunct="1"/>
             <a:r>
-              <a:rPr lang="fr-FR" altLang="fr-FR"/>
+              <a:rPr lang="fr-FR" altLang="fr-FR" dirty="0"/>
               <a:t>Chapitre 9</a:t>
             </a:r>
-            <a:endParaRPr lang="fr-FR" altLang="fr-FR" dirty="0"/>
           </a:p>
           <a:p>
             <a:pPr eaLnBrk="1" hangingPunct="1"/>
             <a:r>
-              <a:rPr lang="fr-FR" altLang="fr-FR" dirty="0" err="1"/>
-              <a:t>Reflexion</a:t>
-            </a:r>
-            <a:endParaRPr lang="fr-FR" altLang="fr-FR" dirty="0"/>
+              <a:rPr lang="fr-FR" altLang="fr-FR" dirty="0"/>
+              <a:t>Réflexion</a:t>
+            </a:r>
           </a:p>
         </p:txBody>
       </p:sp>
@@ -3794,7 +3791,7 @@
             </a:r>
             <a:r>
               <a:rPr lang="fr-FR" dirty="0" err="1"/>
-              <a:t>getattr</a:t>
+              <a:t>setattr</a:t>
             </a:r>
             <a:r>
               <a:rPr lang="fr-FR" dirty="0"/>
@@ -3820,14 +3817,14 @@
           <a:p>
             <a:r>
               <a:rPr lang="fr-FR" dirty="0"/>
-              <a:t>C’est la méthode qui est appelée lorsque Python accède à un attribut</a:t>
+              <a:t>C’est la méthode qui est appelée lorsque Python accède à un attribut en écriture</a:t>
             </a:r>
           </a:p>
         </p:txBody>
       </p:sp>
       <p:pic>
         <p:nvPicPr>
-          <p:cNvPr id="4" name="Image 3"/>
+          <p:cNvPr id="5" name="Image 4"/>
           <p:cNvPicPr>
             <a:picLocks noChangeAspect="1"/>
           </p:cNvPicPr>
@@ -3841,8 +3838,8 @@
         </p:blipFill>
         <p:spPr>
           <a:xfrm>
-            <a:off x="1822" y="2318568"/>
-            <a:ext cx="6586402" cy="4134797"/>
+            <a:off x="1547664" y="3068960"/>
+            <a:ext cx="6434878" cy="1292721"/>
           </a:xfrm>
           <a:prstGeom prst="rect">
             <a:avLst/>
@@ -3852,7 +3849,7 @@
     </p:spTree>
     <p:extLst>
       <p:ext uri="{BB962C8B-B14F-4D97-AF65-F5344CB8AC3E}">
-        <p14:creationId xmlns:p14="http://schemas.microsoft.com/office/powerpoint/2010/main" val="3643471913"/>
+        <p14:creationId xmlns:p14="http://schemas.microsoft.com/office/powerpoint/2010/main" val="3326776791"/>
       </p:ext>
     </p:extLst>
   </p:cSld>
@@ -3900,7 +3897,7 @@
             </a:r>
             <a:r>
               <a:rPr lang="fr-FR" dirty="0" err="1"/>
-              <a:t>setattr</a:t>
+              <a:t>delattr</a:t>
             </a:r>
             <a:r>
               <a:rPr lang="fr-FR" dirty="0"/>
@@ -3926,14 +3923,14 @@
           <a:p>
             <a:r>
               <a:rPr lang="fr-FR" dirty="0"/>
-              <a:t>C’est la méthode qui est appelée lorsque Python accède à un attribut en écriture</a:t>
+              <a:t>Méthode appelée pour effacer un attribut</a:t>
             </a:r>
           </a:p>
         </p:txBody>
       </p:sp>
       <p:pic>
         <p:nvPicPr>
-          <p:cNvPr id="5" name="Image 4"/>
+          <p:cNvPr id="4" name="Image 3"/>
           <p:cNvPicPr>
             <a:picLocks noChangeAspect="1"/>
           </p:cNvPicPr>
@@ -3947,8 +3944,8 @@
         </p:blipFill>
         <p:spPr>
           <a:xfrm>
-            <a:off x="1547664" y="3068960"/>
-            <a:ext cx="6434878" cy="1292721"/>
+            <a:off x="611560" y="2060848"/>
+            <a:ext cx="7592844" cy="936104"/>
           </a:xfrm>
           <a:prstGeom prst="rect">
             <a:avLst/>
@@ -3958,7 +3955,7 @@
     </p:spTree>
     <p:extLst>
       <p:ext uri="{BB962C8B-B14F-4D97-AF65-F5344CB8AC3E}">
-        <p14:creationId xmlns:p14="http://schemas.microsoft.com/office/powerpoint/2010/main" val="3326776791"/>
+        <p14:creationId xmlns:p14="http://schemas.microsoft.com/office/powerpoint/2010/main" val="434229379"/>
       </p:ext>
     </p:extLst>
   </p:cSld>
@@ -4006,7 +4003,7 @@
             </a:r>
             <a:r>
               <a:rPr lang="fr-FR" dirty="0" err="1"/>
-              <a:t>delattr</a:t>
+              <a:t>dict</a:t>
             </a:r>
             <a:r>
               <a:rPr lang="fr-FR" dirty="0"/>
@@ -4032,39 +4029,117 @@
           <a:p>
             <a:r>
               <a:rPr lang="fr-FR" dirty="0"/>
-              <a:t>Méthode appelée pour effacer un attribut</a:t>
-            </a:r>
+              <a:t>Une classe est en fait un dictionnaire</a:t>
+            </a:r>
+          </a:p>
+          <a:p>
+            <a:r>
+              <a:rPr lang="fr-FR" dirty="0"/>
+              <a:t>self.__</a:t>
+            </a:r>
+            <a:r>
+              <a:rPr lang="fr-FR" dirty="0" err="1"/>
+              <a:t>dict</a:t>
+            </a:r>
+            <a:r>
+              <a:rPr lang="fr-FR" dirty="0"/>
+              <a:t>__[</a:t>
+            </a:r>
+            <a:r>
+              <a:rPr lang="fr-FR" dirty="0" err="1"/>
+              <a:t>name</a:t>
+            </a:r>
+            <a:r>
+              <a:rPr lang="fr-FR" dirty="0"/>
+              <a:t>] = value</a:t>
+            </a:r>
+          </a:p>
+          <a:p>
+            <a:pPr lvl="1"/>
+            <a:r>
+              <a:rPr lang="fr-FR" dirty="0"/>
+              <a:t>Est équivalent à</a:t>
+            </a:r>
+          </a:p>
+          <a:p>
+            <a:pPr lvl="1"/>
+            <a:r>
+              <a:rPr lang="en-US" dirty="0"/>
+              <a:t>object.__</a:t>
+            </a:r>
+            <a:r>
+              <a:rPr lang="en-US" dirty="0" err="1"/>
+              <a:t>setattr</a:t>
+            </a:r>
+            <a:r>
+              <a:rPr lang="en-US" dirty="0"/>
+              <a:t>__(self, name, value)</a:t>
+            </a:r>
+          </a:p>
+          <a:p>
+            <a:r>
+              <a:rPr lang="en-US" dirty="0"/>
+              <a:t>Les supers classes </a:t>
+            </a:r>
+            <a:r>
+              <a:rPr lang="en-US" dirty="0" err="1"/>
+              <a:t>sont</a:t>
+            </a:r>
+            <a:r>
+              <a:rPr lang="en-US" dirty="0"/>
+              <a:t> </a:t>
+            </a:r>
+            <a:r>
+              <a:rPr lang="en-US" dirty="0" err="1"/>
+              <a:t>stockées</a:t>
+            </a:r>
+            <a:r>
+              <a:rPr lang="en-US" dirty="0"/>
+              <a:t> </a:t>
+            </a:r>
+            <a:r>
+              <a:rPr lang="en-US" dirty="0" err="1"/>
+              <a:t>dans</a:t>
+            </a:r>
+            <a:r>
+              <a:rPr lang="en-US" dirty="0"/>
+              <a:t> </a:t>
+            </a:r>
+            <a:r>
+              <a:rPr lang="en-US" dirty="0" err="1"/>
+              <a:t>une</a:t>
+            </a:r>
+            <a:r>
+              <a:rPr lang="en-US" dirty="0"/>
+              <a:t> </a:t>
+            </a:r>
+            <a:r>
+              <a:rPr lang="en-US" dirty="0" err="1"/>
+              <a:t>liste</a:t>
+            </a:r>
+            <a:r>
+              <a:rPr lang="en-US" dirty="0"/>
+              <a:t> </a:t>
+            </a:r>
+            <a:r>
+              <a:rPr lang="en-US" dirty="0" err="1"/>
+              <a:t>nommée</a:t>
+            </a:r>
+            <a:r>
+              <a:rPr lang="en-US" dirty="0"/>
+              <a:t> __bases__</a:t>
+            </a:r>
+            <a:endParaRPr lang="fr-FR" dirty="0"/>
+          </a:p>
+          <a:p>
+            <a:endParaRPr lang="fr-FR" dirty="0"/>
           </a:p>
         </p:txBody>
       </p:sp>
-      <p:pic>
-        <p:nvPicPr>
-          <p:cNvPr id="4" name="Image 3"/>
-          <p:cNvPicPr>
-            <a:picLocks noChangeAspect="1"/>
-          </p:cNvPicPr>
-          <p:nvPr/>
-        </p:nvPicPr>
-        <p:blipFill>
-          <a:blip r:embed="rId2"/>
-          <a:stretch>
-            <a:fillRect/>
-          </a:stretch>
-        </p:blipFill>
-        <p:spPr>
-          <a:xfrm>
-            <a:off x="611560" y="2060848"/>
-            <a:ext cx="7592844" cy="936104"/>
-          </a:xfrm>
-          <a:prstGeom prst="rect">
-            <a:avLst/>
-          </a:prstGeom>
-        </p:spPr>
-      </p:pic>
     </p:spTree>
     <p:extLst>
       <p:ext uri="{BB962C8B-B14F-4D97-AF65-F5344CB8AC3E}">
-        <p14:creationId xmlns:p14="http://schemas.microsoft.com/office/powerpoint/2010/main" val="434229379"/>
+        <p14:creationId xmlns:p14="http://schemas.microsoft.com/office/powerpoint/2010/main" val="3887820562"/>
       </p:ext>
     </p:extLst>
   </p:cSld>
@@ -4108,15 +4183,7 @@
           <a:p>
             <a:r>
               <a:rPr lang="fr-FR" dirty="0"/>
-              <a:t>__</a:t>
-            </a:r>
-            <a:r>
-              <a:rPr lang="fr-FR" dirty="0" err="1"/>
-              <a:t>dict</a:t>
-            </a:r>
-            <a:r>
-              <a:rPr lang="fr-FR" dirty="0"/>
-              <a:t>__</a:t>
+              <a:t>Indexes d’objet</a:t>
             </a:r>
           </a:p>
         </p:txBody>
@@ -4138,117 +4205,94 @@
           <a:p>
             <a:r>
               <a:rPr lang="fr-FR" dirty="0"/>
-              <a:t>Une classe est en fait un dictionnaire</a:t>
-            </a:r>
-          </a:p>
-          <a:p>
-            <a:r>
-              <a:rPr lang="fr-FR" dirty="0"/>
-              <a:t>self.__</a:t>
+              <a:t>Les méthodes que nous allons voir sont __</a:t>
             </a:r>
             <a:r>
               <a:rPr lang="fr-FR" dirty="0" err="1"/>
-              <a:t>dict</a:t>
-            </a:r>
-            <a:r>
-              <a:rPr lang="fr-FR" dirty="0"/>
-              <a:t>__[</a:t>
+              <a:t>getitem</a:t>
+            </a:r>
+            <a:r>
+              <a:rPr lang="fr-FR" dirty="0"/>
+              <a:t>__, __</a:t>
             </a:r>
             <a:r>
               <a:rPr lang="fr-FR" dirty="0" err="1"/>
-              <a:t>name</a:t>
-            </a:r>
-            <a:r>
-              <a:rPr lang="fr-FR" dirty="0"/>
-              <a:t>] = value</a:t>
+              <a:t>setitem</a:t>
+            </a:r>
+            <a:r>
+              <a:rPr lang="fr-FR" dirty="0"/>
+              <a:t>__ et __</a:t>
+            </a:r>
+            <a:r>
+              <a:rPr lang="fr-FR" dirty="0" err="1"/>
+              <a:t>delitem</a:t>
+            </a:r>
+            <a:r>
+              <a:rPr lang="fr-FR" dirty="0"/>
+              <a:t>__</a:t>
+            </a:r>
+          </a:p>
+          <a:p>
+            <a:r>
+              <a:rPr lang="fr-FR" dirty="0"/>
+              <a:t>Elles servent respectivement à définir quoi faire quand on écrit :</a:t>
             </a:r>
           </a:p>
           <a:p>
             <a:pPr lvl="1"/>
             <a:r>
               <a:rPr lang="fr-FR" dirty="0"/>
-              <a:t>Est équivalent à</a:t>
+              <a:t>objet[index] ;</a:t>
             </a:r>
           </a:p>
           <a:p>
             <a:pPr lvl="1"/>
             <a:r>
-              <a:rPr lang="en-US" dirty="0"/>
-              <a:t>object.__</a:t>
-            </a:r>
-            <a:r>
-              <a:rPr lang="en-US" dirty="0" err="1"/>
-              <a:t>setattr</a:t>
-            </a:r>
-            <a:r>
-              <a:rPr lang="en-US" dirty="0"/>
-              <a:t>__(self, name, value)</a:t>
-            </a:r>
-          </a:p>
-          <a:p>
-            <a:r>
-              <a:rPr lang="en-US" dirty="0"/>
-              <a:t>Les supers classes </a:t>
-            </a:r>
-            <a:r>
-              <a:rPr lang="en-US" dirty="0" err="1"/>
-              <a:t>sont</a:t>
-            </a:r>
-            <a:r>
-              <a:rPr lang="en-US" dirty="0"/>
-              <a:t> </a:t>
-            </a:r>
-            <a:r>
-              <a:rPr lang="en-US" dirty="0" err="1"/>
-              <a:t>stockées</a:t>
-            </a:r>
-            <a:r>
-              <a:rPr lang="en-US" dirty="0"/>
-              <a:t> </a:t>
-            </a:r>
-            <a:r>
-              <a:rPr lang="en-US" dirty="0" err="1"/>
-              <a:t>dans</a:t>
-            </a:r>
-            <a:r>
-              <a:rPr lang="en-US" dirty="0"/>
-              <a:t> </a:t>
-            </a:r>
-            <a:r>
-              <a:rPr lang="en-US" dirty="0" err="1"/>
-              <a:t>une</a:t>
-            </a:r>
-            <a:r>
-              <a:rPr lang="en-US" dirty="0"/>
-              <a:t> </a:t>
-            </a:r>
-            <a:r>
-              <a:rPr lang="en-US" dirty="0" err="1"/>
-              <a:t>liste</a:t>
-            </a:r>
-            <a:r>
-              <a:rPr lang="en-US" dirty="0"/>
-              <a:t> </a:t>
-            </a:r>
-            <a:r>
-              <a:rPr lang="en-US" dirty="0" err="1"/>
-              <a:t>nommée</a:t>
-            </a:r>
-            <a:r>
-              <a:rPr lang="en-US" dirty="0"/>
-              <a:t> __bases__</a:t>
-            </a:r>
-            <a:endParaRPr lang="fr-FR" dirty="0"/>
-          </a:p>
-          <a:p>
-            <a:endParaRPr lang="fr-FR" dirty="0"/>
+              <a:rPr lang="fr-FR" dirty="0"/>
+              <a:t>objet[index] = valeur ;</a:t>
+            </a:r>
+          </a:p>
+          <a:p>
+            <a:pPr lvl="1"/>
+            <a:r>
+              <a:rPr lang="fr-FR" dirty="0" err="1"/>
+              <a:t>del</a:t>
+            </a:r>
+            <a:r>
+              <a:rPr lang="fr-FR" dirty="0"/>
+              <a:t> objet[index]</a:t>
+            </a:r>
           </a:p>
         </p:txBody>
       </p:sp>
+      <p:pic>
+        <p:nvPicPr>
+          <p:cNvPr id="4" name="Image 3"/>
+          <p:cNvPicPr>
+            <a:picLocks noChangeAspect="1"/>
+          </p:cNvPicPr>
+          <p:nvPr/>
+        </p:nvPicPr>
+        <p:blipFill>
+          <a:blip r:embed="rId2"/>
+          <a:stretch>
+            <a:fillRect/>
+          </a:stretch>
+        </p:blipFill>
+        <p:spPr>
+          <a:xfrm>
+            <a:off x="3419872" y="4086824"/>
+            <a:ext cx="5733095" cy="2470171"/>
+          </a:xfrm>
+          <a:prstGeom prst="rect">
+            <a:avLst/>
+          </a:prstGeom>
+        </p:spPr>
+      </p:pic>
     </p:spTree>
     <p:extLst>
       <p:ext uri="{BB962C8B-B14F-4D97-AF65-F5344CB8AC3E}">
-        <p14:creationId xmlns:p14="http://schemas.microsoft.com/office/powerpoint/2010/main" val="3887820562"/>
+        <p14:creationId xmlns:p14="http://schemas.microsoft.com/office/powerpoint/2010/main" val="2180427101"/>
       </p:ext>
     </p:extLst>
   </p:cSld>
@@ -4292,8 +4336,13 @@
           <a:p>
             <a:r>
               <a:rPr lang="fr-FR" dirty="0"/>
-              <a:t>Indexes d’objet</a:t>
-            </a:r>
+              <a:t>In et </a:t>
+            </a:r>
+            <a:r>
+              <a:rPr lang="fr-FR" dirty="0" err="1"/>
+              <a:t>contains</a:t>
+            </a:r>
+            <a:endParaRPr lang="fr-FR" dirty="0"/>
           </a:p>
         </p:txBody>
       </p:sp>
@@ -4314,63 +4363,99 @@
           <a:p>
             <a:r>
               <a:rPr lang="fr-FR" dirty="0"/>
-              <a:t>Les méthodes que nous allons voir sont __</a:t>
+              <a:t>Il existe une quatrième méthode, appelée __</a:t>
             </a:r>
             <a:r>
               <a:rPr lang="fr-FR" dirty="0" err="1"/>
-              <a:t>getitem</a:t>
-            </a:r>
-            <a:r>
-              <a:rPr lang="fr-FR" dirty="0"/>
-              <a:t>__, __</a:t>
+              <a:t>contains</a:t>
+            </a:r>
+            <a:r>
+              <a:rPr lang="fr-FR" dirty="0"/>
+              <a:t>__, qui est utilisée quand on souhaite savoir si un objet se trouve dans une classe</a:t>
+            </a:r>
+          </a:p>
+          <a:p>
+            <a:endParaRPr lang="fr-FR" dirty="0"/>
+          </a:p>
+          <a:p>
+            <a:endParaRPr lang="fr-FR" dirty="0"/>
+          </a:p>
+          <a:p>
+            <a:endParaRPr lang="fr-FR" dirty="0"/>
+          </a:p>
+          <a:p>
+            <a:r>
+              <a:rPr lang="fr-FR" dirty="0"/>
+              <a:t>Nombre d’élément de la classe</a:t>
+            </a:r>
+          </a:p>
+          <a:p>
+            <a:pPr lvl="1"/>
+            <a:r>
+              <a:rPr lang="fr-FR" dirty="0"/>
+              <a:t>Len()</a:t>
+            </a:r>
+          </a:p>
+          <a:p>
+            <a:pPr lvl="1"/>
+            <a:r>
+              <a:rPr lang="fr-FR" dirty="0"/>
+              <a:t>Redéfinir __</a:t>
             </a:r>
             <a:r>
               <a:rPr lang="fr-FR" dirty="0" err="1"/>
-              <a:t>setitem</a:t>
-            </a:r>
-            <a:r>
-              <a:rPr lang="fr-FR" dirty="0"/>
-              <a:t>__ et __</a:t>
+              <a:t>len</a:t>
+            </a:r>
+            <a:r>
+              <a:rPr lang="fr-FR" dirty="0"/>
+              <a:t>__</a:t>
+            </a:r>
+          </a:p>
+          <a:p>
+            <a:pPr lvl="1"/>
+            <a:r>
+              <a:rPr lang="fr-FR" dirty="0"/>
+              <a:t>Len(</a:t>
             </a:r>
             <a:r>
               <a:rPr lang="fr-FR" dirty="0" err="1"/>
-              <a:t>delitem</a:t>
-            </a:r>
-            <a:r>
-              <a:rPr lang="fr-FR" dirty="0"/>
+              <a:t>object</a:t>
+            </a:r>
+            <a:r>
+              <a:rPr lang="fr-FR" dirty="0"/>
+              <a:t>) </a:t>
+            </a:r>
+            <a:r>
+              <a:rPr lang="fr-FR" dirty="0">
+                <a:sym typeface="Wingdings" panose="05000000000000000000" pitchFamily="2" charset="2"/>
+              </a:rPr>
+              <a:t> </a:t>
+            </a:r>
+            <a:r>
+              <a:rPr lang="fr-FR" dirty="0" err="1">
+                <a:sym typeface="Wingdings" panose="05000000000000000000" pitchFamily="2" charset="2"/>
+              </a:rPr>
+              <a:t>object</a:t>
+            </a:r>
+            <a:r>
+              <a:rPr lang="fr-FR" dirty="0">
+                <a:sym typeface="Wingdings" panose="05000000000000000000" pitchFamily="2" charset="2"/>
+              </a:rPr>
+              <a:t>.__</a:t>
+            </a:r>
+            <a:r>
+              <a:rPr lang="fr-FR" dirty="0" err="1">
+                <a:sym typeface="Wingdings" panose="05000000000000000000" pitchFamily="2" charset="2"/>
+              </a:rPr>
+              <a:t>len</a:t>
+            </a:r>
+            <a:r>
+              <a:rPr lang="fr-FR" dirty="0">
+                <a:sym typeface="Wingdings" panose="05000000000000000000" pitchFamily="2" charset="2"/>
+              </a:rPr>
               <a:t>__</a:t>
             </a:r>
-          </a:p>
-          <a:p>
-            <a:r>
-              <a:rPr lang="fr-FR" dirty="0"/>
-              <a:t>Elles servent respectivement à définir quoi faire quand on écrit :</a:t>
-            </a:r>
-          </a:p>
-          <a:p>
-            <a:pPr lvl="1"/>
-            <a:r>
-              <a:rPr lang="fr-FR" dirty="0"/>
-              <a:t>objet[index] ;</a:t>
-            </a:r>
-          </a:p>
-          <a:p>
-            <a:pPr lvl="1"/>
-            <a:r>
-              <a:rPr lang="fr-FR" dirty="0"/>
-              <a:t>objet[index] = valeur ;</a:t>
-            </a:r>
-          </a:p>
-          <a:p>
-            <a:pPr lvl="1"/>
-            <a:r>
-              <a:rPr lang="fr-FR" dirty="0" err="1"/>
-              <a:t>del</a:t>
-            </a:r>
-            <a:r>
-              <a:rPr lang="fr-FR" dirty="0"/>
-              <a:t> objet[index]</a:t>
-            </a:r>
+            <a:endParaRPr lang="fr-FR" dirty="0"/>
           </a:p>
         </p:txBody>
       </p:sp>
@@ -4390,8 +4475,8 @@
         </p:blipFill>
         <p:spPr>
           <a:xfrm>
-            <a:off x="3419872" y="4086824"/>
-            <a:ext cx="5733095" cy="2470171"/>
+            <a:off x="1691680" y="3140968"/>
+            <a:ext cx="5829375" cy="936104"/>
           </a:xfrm>
           <a:prstGeom prst="rect">
             <a:avLst/>
@@ -4401,7 +4486,7 @@
     </p:spTree>
     <p:extLst>
       <p:ext uri="{BB962C8B-B14F-4D97-AF65-F5344CB8AC3E}">
-        <p14:creationId xmlns:p14="http://schemas.microsoft.com/office/powerpoint/2010/main" val="2180427101"/>
+        <p14:creationId xmlns:p14="http://schemas.microsoft.com/office/powerpoint/2010/main" val="617469741"/>
       </p:ext>
     </p:extLst>
   </p:cSld>
@@ -4445,200 +4530,6 @@
           <a:p>
             <a:r>
               <a:rPr lang="fr-FR" dirty="0"/>
-              <a:t>In et </a:t>
-            </a:r>
-            <a:r>
-              <a:rPr lang="fr-FR" dirty="0" err="1"/>
-              <a:t>contains</a:t>
-            </a:r>
-            <a:endParaRPr lang="fr-FR" dirty="0"/>
-          </a:p>
-        </p:txBody>
-      </p:sp>
-      <p:sp>
-        <p:nvSpPr>
-          <p:cNvPr id="3" name="Espace réservé du contenu 2"/>
-          <p:cNvSpPr>
-            <a:spLocks noGrp="1"/>
-          </p:cNvSpPr>
-          <p:nvPr>
-            <p:ph idx="1"/>
-          </p:nvPr>
-        </p:nvSpPr>
-        <p:spPr/>
-        <p:txBody>
-          <a:bodyPr/>
-          <a:lstStyle/>
-          <a:p>
-            <a:r>
-              <a:rPr lang="fr-FR" dirty="0"/>
-              <a:t>Il existe une quatrième méthode, appelée __</a:t>
-            </a:r>
-            <a:r>
-              <a:rPr lang="fr-FR" dirty="0" err="1"/>
-              <a:t>contains</a:t>
-            </a:r>
-            <a:r>
-              <a:rPr lang="fr-FR" dirty="0"/>
-              <a:t>__, qui est utilisée quand on souhaite savoir si un objet se trouve dans une classe</a:t>
-            </a:r>
-          </a:p>
-          <a:p>
-            <a:endParaRPr lang="fr-FR" dirty="0"/>
-          </a:p>
-          <a:p>
-            <a:endParaRPr lang="fr-FR" dirty="0"/>
-          </a:p>
-          <a:p>
-            <a:endParaRPr lang="fr-FR" dirty="0"/>
-          </a:p>
-          <a:p>
-            <a:r>
-              <a:rPr lang="fr-FR" dirty="0"/>
-              <a:t>Nombre d’élément de la classe</a:t>
-            </a:r>
-          </a:p>
-          <a:p>
-            <a:pPr lvl="1"/>
-            <a:r>
-              <a:rPr lang="fr-FR" dirty="0"/>
-              <a:t>Len()</a:t>
-            </a:r>
-          </a:p>
-          <a:p>
-            <a:pPr lvl="1"/>
-            <a:r>
-              <a:rPr lang="fr-FR" dirty="0"/>
-              <a:t>Redéfinir __</a:t>
-            </a:r>
-            <a:r>
-              <a:rPr lang="fr-FR" dirty="0" err="1"/>
-              <a:t>len</a:t>
-            </a:r>
-            <a:r>
-              <a:rPr lang="fr-FR" dirty="0"/>
-              <a:t>__</a:t>
-            </a:r>
-          </a:p>
-          <a:p>
-            <a:pPr lvl="1"/>
-            <a:r>
-              <a:rPr lang="fr-FR" dirty="0"/>
-              <a:t>Len(</a:t>
-            </a:r>
-            <a:r>
-              <a:rPr lang="fr-FR" dirty="0" err="1"/>
-              <a:t>object</a:t>
-            </a:r>
-            <a:r>
-              <a:rPr lang="fr-FR" dirty="0"/>
-              <a:t>) </a:t>
-            </a:r>
-            <a:r>
-              <a:rPr lang="fr-FR" dirty="0">
-                <a:sym typeface="Wingdings" panose="05000000000000000000" pitchFamily="2" charset="2"/>
-              </a:rPr>
-              <a:t> </a:t>
-            </a:r>
-            <a:r>
-              <a:rPr lang="fr-FR" dirty="0" err="1">
-                <a:sym typeface="Wingdings" panose="05000000000000000000" pitchFamily="2" charset="2"/>
-              </a:rPr>
-              <a:t>object</a:t>
-            </a:r>
-            <a:r>
-              <a:rPr lang="fr-FR" dirty="0">
-                <a:sym typeface="Wingdings" panose="05000000000000000000" pitchFamily="2" charset="2"/>
-              </a:rPr>
-              <a:t>.__</a:t>
-            </a:r>
-            <a:r>
-              <a:rPr lang="fr-FR" dirty="0" err="1">
-                <a:sym typeface="Wingdings" panose="05000000000000000000" pitchFamily="2" charset="2"/>
-              </a:rPr>
-              <a:t>len</a:t>
-            </a:r>
-            <a:r>
-              <a:rPr lang="fr-FR" dirty="0">
-                <a:sym typeface="Wingdings" panose="05000000000000000000" pitchFamily="2" charset="2"/>
-              </a:rPr>
-              <a:t>__</a:t>
-            </a:r>
-            <a:endParaRPr lang="fr-FR" dirty="0"/>
-          </a:p>
-        </p:txBody>
-      </p:sp>
-      <p:pic>
-        <p:nvPicPr>
-          <p:cNvPr id="4" name="Image 3"/>
-          <p:cNvPicPr>
-            <a:picLocks noChangeAspect="1"/>
-          </p:cNvPicPr>
-          <p:nvPr/>
-        </p:nvPicPr>
-        <p:blipFill>
-          <a:blip r:embed="rId2"/>
-          <a:stretch>
-            <a:fillRect/>
-          </a:stretch>
-        </p:blipFill>
-        <p:spPr>
-          <a:xfrm>
-            <a:off x="1691680" y="3140968"/>
-            <a:ext cx="5829375" cy="936104"/>
-          </a:xfrm>
-          <a:prstGeom prst="rect">
-            <a:avLst/>
-          </a:prstGeom>
-        </p:spPr>
-      </p:pic>
-    </p:spTree>
-    <p:extLst>
-      <p:ext uri="{BB962C8B-B14F-4D97-AF65-F5344CB8AC3E}">
-        <p14:creationId xmlns:p14="http://schemas.microsoft.com/office/powerpoint/2010/main" val="617469741"/>
-      </p:ext>
-    </p:extLst>
-  </p:cSld>
-  <p:clrMapOvr>
-    <a:masterClrMapping/>
-  </p:clrMapOvr>
-</p:sld>
-</file>
-
-<file path=ppt/slides/slide16.xml><?xml version="1.0" encoding="utf-8"?>
-<p:sld xmlns:a="http://schemas.openxmlformats.org/drawingml/2006/main" xmlns:r="http://schemas.openxmlformats.org/officeDocument/2006/relationships" xmlns:p="http://schemas.openxmlformats.org/presentationml/2006/main">
-  <p:cSld>
-    <p:spTree>
-      <p:nvGrpSpPr>
-        <p:cNvPr id="1" name=""/>
-        <p:cNvGrpSpPr/>
-        <p:nvPr/>
-      </p:nvGrpSpPr>
-      <p:grpSpPr>
-        <a:xfrm>
-          <a:off x="0" y="0"/>
-          <a:ext cx="0" cy="0"/>
-          <a:chOff x="0" y="0"/>
-          <a:chExt cx="0" cy="0"/>
-        </a:xfrm>
-      </p:grpSpPr>
-      <p:sp>
-        <p:nvSpPr>
-          <p:cNvPr id="2" name="Titre 1"/>
-          <p:cNvSpPr>
-            <a:spLocks noGrp="1"/>
-          </p:cNvSpPr>
-          <p:nvPr>
-            <p:ph type="title"/>
-          </p:nvPr>
-        </p:nvSpPr>
-        <p:spPr/>
-        <p:txBody>
-          <a:bodyPr/>
-          <a:lstStyle/>
-          <a:p>
-            <a:r>
-              <a:rPr lang="fr-FR" dirty="0"/>
               <a:t>Surcharge des opérateurs</a:t>
             </a:r>
           </a:p>
@@ -4812,7 +4703,7 @@
 </p:sld>
 </file>
 
-<file path=ppt/slides/slide17.xml><?xml version="1.0" encoding="utf-8"?>
+<file path=ppt/slides/slide16.xml><?xml version="1.0" encoding="utf-8"?>
 <p:sld xmlns:a="http://schemas.openxmlformats.org/drawingml/2006/main" xmlns:r="http://schemas.openxmlformats.org/officeDocument/2006/relationships" xmlns:p="http://schemas.openxmlformats.org/presentationml/2006/main">
   <p:cSld>
     <p:spTree>
@@ -5012,6 +4903,111 @@
     <p:extLst>
       <p:ext uri="{BB962C8B-B14F-4D97-AF65-F5344CB8AC3E}">
         <p14:creationId xmlns:p14="http://schemas.microsoft.com/office/powerpoint/2010/main" val="578178287"/>
+      </p:ext>
+    </p:extLst>
+  </p:cSld>
+  <p:clrMapOvr>
+    <a:masterClrMapping/>
+  </p:clrMapOvr>
+</p:sld>
+</file>
+
+<file path=ppt/slides/slide17.xml><?xml version="1.0" encoding="utf-8"?>
+<p:sld xmlns:a="http://schemas.openxmlformats.org/drawingml/2006/main" xmlns:r="http://schemas.openxmlformats.org/officeDocument/2006/relationships" xmlns:p="http://schemas.openxmlformats.org/presentationml/2006/main">
+  <p:cSld>
+    <p:spTree>
+      <p:nvGrpSpPr>
+        <p:cNvPr id="1" name=""/>
+        <p:cNvGrpSpPr/>
+        <p:nvPr/>
+      </p:nvGrpSpPr>
+      <p:grpSpPr>
+        <a:xfrm>
+          <a:off x="0" y="0"/>
+          <a:ext cx="0" cy="0"/>
+          <a:chOff x="0" y="0"/>
+          <a:chExt cx="0" cy="0"/>
+        </a:xfrm>
+      </p:grpSpPr>
+      <p:sp>
+        <p:nvSpPr>
+          <p:cNvPr id="2" name="Titre 1"/>
+          <p:cNvSpPr>
+            <a:spLocks noGrp="1"/>
+          </p:cNvSpPr>
+          <p:nvPr>
+            <p:ph type="title"/>
+          </p:nvPr>
+        </p:nvSpPr>
+        <p:spPr/>
+        <p:txBody>
+          <a:bodyPr/>
+          <a:lstStyle/>
+          <a:p>
+            <a:r>
+              <a:rPr lang="fr-FR" dirty="0" err="1"/>
+              <a:t>Map</a:t>
+            </a:r>
+            <a:endParaRPr lang="fr-FR" dirty="0"/>
+          </a:p>
+        </p:txBody>
+      </p:sp>
+      <p:sp>
+        <p:nvSpPr>
+          <p:cNvPr id="3" name="Espace réservé du contenu 2"/>
+          <p:cNvSpPr>
+            <a:spLocks noGrp="1"/>
+          </p:cNvSpPr>
+          <p:nvPr>
+            <p:ph idx="1"/>
+          </p:nvPr>
+        </p:nvSpPr>
+        <p:spPr/>
+        <p:txBody>
+          <a:bodyPr/>
+          <a:lstStyle/>
+          <a:p>
+            <a:r>
+              <a:rPr lang="fr-FR" dirty="0" err="1"/>
+              <a:t>Map</a:t>
+            </a:r>
+            <a:r>
+              <a:rPr lang="fr-FR" dirty="0"/>
+              <a:t> permet d’appliquer une fonction sur une collection</a:t>
+            </a:r>
+          </a:p>
+          <a:p>
+            <a:pPr lvl="1"/>
+            <a:r>
+              <a:rPr lang="en-US" dirty="0"/>
+              <a:t>l= ["It's over 9000 !", "All your base are belong to us."]</a:t>
+            </a:r>
+          </a:p>
+          <a:p>
+            <a:pPr lvl="1"/>
+            <a:r>
+              <a:rPr lang="en-US" dirty="0"/>
+              <a:t>print(map(</a:t>
+            </a:r>
+            <a:r>
+              <a:rPr lang="en-US" dirty="0" err="1"/>
+              <a:t>unicode.upper</a:t>
+            </a:r>
+            <a:r>
+              <a:rPr lang="en-US" dirty="0"/>
+              <a:t>, l))</a:t>
+            </a:r>
+          </a:p>
+          <a:p>
+            <a:pPr lvl="1"/>
+            <a:endParaRPr lang="fr-FR" dirty="0"/>
+          </a:p>
+        </p:txBody>
+      </p:sp>
+    </p:spTree>
+    <p:extLst>
+      <p:ext uri="{BB962C8B-B14F-4D97-AF65-F5344CB8AC3E}">
+        <p14:creationId xmlns:p14="http://schemas.microsoft.com/office/powerpoint/2010/main" val="3928039841"/>
       </p:ext>
     </p:extLst>
   </p:cSld>
@@ -5055,7 +5051,7 @@
           <a:p>
             <a:r>
               <a:rPr lang="fr-FR" dirty="0" err="1"/>
-              <a:t>Map</a:t>
+              <a:t>Reduce</a:t>
             </a:r>
             <a:endParaRPr lang="fr-FR" dirty="0"/>
           </a:p>
@@ -5071,52 +5067,77 @@
             <p:ph idx="1"/>
           </p:nvPr>
         </p:nvSpPr>
-        <p:spPr/>
+        <p:spPr>
+          <a:xfrm>
+            <a:off x="179512" y="1412776"/>
+            <a:ext cx="5439537" cy="5040560"/>
+          </a:xfrm>
+        </p:spPr>
         <p:txBody>
           <a:bodyPr/>
           <a:lstStyle/>
           <a:p>
             <a:r>
+              <a:rPr lang="fr-FR" dirty="0"/>
+              <a:t>La fonction doit prendre deux paramètres en entrée, et retourner une valeur</a:t>
+            </a:r>
+          </a:p>
+          <a:p>
+            <a:r>
+              <a:rPr lang="fr-FR" dirty="0"/>
+              <a:t>Au premier appel, les deux premiers éléments de l’</a:t>
+            </a:r>
+            <a:r>
               <a:rPr lang="fr-FR" dirty="0" err="1"/>
-              <a:t>Map</a:t>
-            </a:r>
-            <a:r>
-              <a:rPr lang="fr-FR" dirty="0"/>
-              <a:t> permet d’appliquer une fonction sur une collection</a:t>
-            </a:r>
-          </a:p>
-          <a:p>
-            <a:pPr lvl="1"/>
-            <a:r>
-              <a:rPr lang="en-US" dirty="0"/>
-              <a:t>l= ["It's over 9000 !", "All your base are belong to us."]</a:t>
-            </a:r>
-          </a:p>
-          <a:p>
-            <a:pPr lvl="1"/>
-            <a:r>
-              <a:rPr lang="en-US" dirty="0"/>
-              <a:t>print(map(</a:t>
-            </a:r>
-            <a:r>
-              <a:rPr lang="en-US" dirty="0" err="1"/>
-              <a:t>unicode.upper</a:t>
-            </a:r>
-            <a:r>
-              <a:rPr lang="en-US" dirty="0"/>
-              <a:t>, l))</a:t>
-            </a:r>
-          </a:p>
-          <a:p>
-            <a:pPr lvl="1"/>
-            <a:endParaRPr lang="fr-FR" dirty="0"/>
+              <a:t>itérable</a:t>
+            </a:r>
+            <a:r>
+              <a:rPr lang="fr-FR" dirty="0"/>
+              <a:t> sont passés en paramètres</a:t>
+            </a:r>
+          </a:p>
+          <a:p>
+            <a:r>
+              <a:rPr lang="fr-FR" dirty="0"/>
+              <a:t>Ensuite, le résultat de cet appel et l’élément suivant sont passés en paramètre, et ainsi de suite</a:t>
+            </a:r>
+          </a:p>
+          <a:p>
+            <a:r>
+              <a:rPr lang="fr-FR" dirty="0"/>
+              <a:t>Vous avez compris ?</a:t>
+            </a:r>
           </a:p>
         </p:txBody>
       </p:sp>
+      <p:pic>
+        <p:nvPicPr>
+          <p:cNvPr id="4" name="Image 3"/>
+          <p:cNvPicPr>
+            <a:picLocks noChangeAspect="1"/>
+          </p:cNvPicPr>
+          <p:nvPr/>
+        </p:nvPicPr>
+        <p:blipFill>
+          <a:blip r:embed="rId2"/>
+          <a:stretch>
+            <a:fillRect/>
+          </a:stretch>
+        </p:blipFill>
+        <p:spPr>
+          <a:xfrm>
+            <a:off x="5619049" y="1412777"/>
+            <a:ext cx="3416850" cy="5040560"/>
+          </a:xfrm>
+          <a:prstGeom prst="rect">
+            <a:avLst/>
+          </a:prstGeom>
+        </p:spPr>
+      </p:pic>
     </p:spTree>
     <p:extLst>
       <p:ext uri="{BB962C8B-B14F-4D97-AF65-F5344CB8AC3E}">
-        <p14:creationId xmlns:p14="http://schemas.microsoft.com/office/powerpoint/2010/main" val="3928039841"/>
+        <p14:creationId xmlns:p14="http://schemas.microsoft.com/office/powerpoint/2010/main" val="1138190459"/>
       </p:ext>
     </p:extLst>
   </p:cSld>
@@ -5176,77 +5197,210 @@
             <p:ph idx="1"/>
           </p:nvPr>
         </p:nvSpPr>
-        <p:spPr>
-          <a:xfrm>
-            <a:off x="179512" y="1412776"/>
-            <a:ext cx="5439537" cy="5040560"/>
-          </a:xfrm>
-        </p:spPr>
+        <p:spPr/>
         <p:txBody>
           <a:bodyPr/>
           <a:lstStyle/>
           <a:p>
             <a:r>
-              <a:rPr lang="fr-FR" dirty="0"/>
-              <a:t>La fonction doit prendre deux paramètres en entrée, et retourner une valeur</a:t>
-            </a:r>
-          </a:p>
-          <a:p>
-            <a:r>
-              <a:rPr lang="fr-FR" dirty="0"/>
-              <a:t>Au premier appel, les deux premiers éléments de l’</a:t>
-            </a:r>
-            <a:r>
-              <a:rPr lang="fr-FR" dirty="0" err="1"/>
-              <a:t>itérable</a:t>
-            </a:r>
-            <a:r>
-              <a:rPr lang="fr-FR" dirty="0"/>
-              <a:t> sont passés en paramètres</a:t>
-            </a:r>
-          </a:p>
-          <a:p>
-            <a:r>
-              <a:rPr lang="fr-FR" dirty="0"/>
-              <a:t>Ensuite, le résultat de cet appel et l’élément suivant sont passés en paramètre, et ainsi de suite</a:t>
-            </a:r>
-          </a:p>
-          <a:p>
-            <a:r>
-              <a:rPr lang="fr-FR" dirty="0"/>
-              <a:t>Vous avez compris ?</a:t>
-            </a:r>
+              <a:rPr lang="fr-FR" sz="2400" dirty="0"/>
+              <a:t>A quoi sert le </a:t>
+            </a:r>
+            <a:r>
+              <a:rPr lang="fr-FR" sz="2400" dirty="0" err="1"/>
+              <a:t>reduce</a:t>
+            </a:r>
+            <a:r>
+              <a:rPr lang="fr-FR" sz="2400" dirty="0"/>
+              <a:t> ?</a:t>
+            </a:r>
+          </a:p>
+          <a:p>
+            <a:pPr lvl="1"/>
+            <a:r>
+              <a:rPr lang="fr-FR" sz="2000" dirty="0"/>
+              <a:t>Permet de faire des opérations d’agrégation en une ligne</a:t>
+            </a:r>
+          </a:p>
+          <a:p>
+            <a:pPr lvl="1"/>
+            <a:r>
+              <a:rPr lang="fr-FR" sz="2000" dirty="0"/>
+              <a:t>Par exemple il n’existe pas l’équivalent de </a:t>
+            </a:r>
+            <a:r>
+              <a:rPr lang="fr-FR" sz="2000" dirty="0" err="1"/>
+              <a:t>sum</a:t>
+            </a:r>
+            <a:r>
+              <a:rPr lang="fr-FR" sz="2000" dirty="0"/>
+              <a:t> pour la multiplication</a:t>
+            </a:r>
+          </a:p>
+          <a:p>
+            <a:pPr lvl="1"/>
+            <a:r>
+              <a:rPr lang="fr-FR" sz="2000" dirty="0" err="1"/>
+              <a:t>print</a:t>
+            </a:r>
+            <a:r>
+              <a:rPr lang="fr-FR" sz="2000" dirty="0"/>
+              <a:t>(</a:t>
+            </a:r>
+            <a:r>
+              <a:rPr lang="fr-FR" sz="2000" dirty="0" err="1"/>
+              <a:t>sum</a:t>
+            </a:r>
+            <a:r>
+              <a:rPr lang="fr-FR" sz="2000" dirty="0"/>
+              <a:t>(range(10))) # donne 45</a:t>
+            </a:r>
+          </a:p>
+          <a:p>
+            <a:pPr lvl="1"/>
+            <a:r>
+              <a:rPr lang="en-US" sz="2000" dirty="0"/>
+              <a:t>print(reduce(lambda a, b: a * b, range(1, 11))) # </a:t>
+            </a:r>
+            <a:r>
+              <a:rPr lang="en-US" sz="2000" dirty="0" err="1"/>
+              <a:t>donne</a:t>
+            </a:r>
+            <a:r>
+              <a:rPr lang="en-US" sz="2000" dirty="0"/>
+              <a:t> 3628800</a:t>
+            </a:r>
+          </a:p>
+          <a:p>
+            <a:r>
+              <a:rPr lang="en-US" sz="2400" dirty="0" err="1"/>
+              <a:t>Combiné</a:t>
+            </a:r>
+            <a:r>
+              <a:rPr lang="en-US" sz="2400" dirty="0"/>
+              <a:t> à map, </a:t>
+            </a:r>
+            <a:r>
+              <a:rPr lang="en-US" sz="2400" dirty="0" err="1"/>
+              <a:t>peut</a:t>
+            </a:r>
+            <a:r>
+              <a:rPr lang="en-US" sz="2400" dirty="0"/>
+              <a:t> donner un </a:t>
+            </a:r>
+            <a:r>
+              <a:rPr lang="en-US" sz="2400" dirty="0" err="1"/>
+              <a:t>résultat</a:t>
+            </a:r>
+            <a:r>
+              <a:rPr lang="en-US" sz="2400" dirty="0"/>
+              <a:t> </a:t>
+            </a:r>
+            <a:r>
+              <a:rPr lang="en-US" sz="2400" dirty="0" err="1"/>
+              <a:t>très</a:t>
+            </a:r>
+            <a:r>
+              <a:rPr lang="en-US" sz="2400" dirty="0"/>
+              <a:t> puissant</a:t>
+            </a:r>
+          </a:p>
+          <a:p>
+            <a:pPr lvl="1"/>
+            <a:r>
+              <a:rPr lang="en-US" sz="2000" dirty="0" err="1"/>
+              <a:t>Très</a:t>
+            </a:r>
+            <a:r>
+              <a:rPr lang="en-US" sz="2000" dirty="0"/>
+              <a:t> </a:t>
+            </a:r>
+            <a:r>
+              <a:rPr lang="en-US" sz="2000" dirty="0" err="1"/>
+              <a:t>cryptique</a:t>
+            </a:r>
+            <a:endParaRPr lang="en-US" sz="2000" dirty="0"/>
+          </a:p>
+          <a:p>
+            <a:r>
+              <a:rPr lang="en-US" sz="2400" dirty="0" err="1"/>
+              <a:t>Peut</a:t>
+            </a:r>
+            <a:r>
+              <a:rPr lang="en-US" sz="2400" dirty="0"/>
+              <a:t> se </a:t>
+            </a:r>
+            <a:r>
+              <a:rPr lang="en-US" sz="2400" dirty="0" err="1"/>
+              <a:t>réecrire</a:t>
+            </a:r>
+            <a:r>
+              <a:rPr lang="en-US" sz="2400" dirty="0"/>
+              <a:t> avec </a:t>
+            </a:r>
+            <a:r>
+              <a:rPr lang="en-US" sz="2400" dirty="0" err="1"/>
+              <a:t>une</a:t>
+            </a:r>
+            <a:r>
+              <a:rPr lang="en-US" sz="2400" dirty="0"/>
+              <a:t> </a:t>
+            </a:r>
+            <a:r>
+              <a:rPr lang="en-US" sz="2400" dirty="0" err="1"/>
+              <a:t>liste</a:t>
+            </a:r>
+            <a:r>
+              <a:rPr lang="en-US" sz="2400" dirty="0"/>
+              <a:t> </a:t>
+            </a:r>
+            <a:r>
+              <a:rPr lang="en-US" sz="2400" dirty="0" err="1"/>
+              <a:t>en</a:t>
+            </a:r>
+            <a:r>
+              <a:rPr lang="en-US" sz="2400" dirty="0"/>
+              <a:t> intention</a:t>
+            </a:r>
+          </a:p>
+          <a:p>
+            <a:pPr lvl="1"/>
+            <a:r>
+              <a:rPr lang="en-US" sz="2000" dirty="0"/>
+              <a:t>Map correspond à la </a:t>
+            </a:r>
+            <a:r>
+              <a:rPr lang="en-US" sz="2000" dirty="0" err="1"/>
+              <a:t>partie</a:t>
+            </a:r>
+            <a:r>
+              <a:rPr lang="en-US" sz="2000" dirty="0"/>
+              <a:t> gauche et filter à la </a:t>
+            </a:r>
+            <a:r>
+              <a:rPr lang="en-US" sz="2000" dirty="0" err="1"/>
+              <a:t>partie</a:t>
+            </a:r>
+            <a:r>
+              <a:rPr lang="en-US" sz="2000" dirty="0"/>
+              <a:t> </a:t>
+            </a:r>
+            <a:r>
+              <a:rPr lang="en-US" sz="2000" dirty="0" err="1"/>
+              <a:t>droite</a:t>
+            </a:r>
+            <a:endParaRPr lang="fr-FR" sz="2000" dirty="0"/>
+          </a:p>
+          <a:p>
+            <a:pPr lvl="1"/>
+            <a:endParaRPr lang="fr-FR" sz="2000" dirty="0"/>
           </a:p>
         </p:txBody>
       </p:sp>
-      <p:pic>
-        <p:nvPicPr>
-          <p:cNvPr id="4" name="Image 3"/>
-          <p:cNvPicPr>
-            <a:picLocks noChangeAspect="1"/>
-          </p:cNvPicPr>
-          <p:nvPr/>
-        </p:nvPicPr>
-        <p:blipFill>
-          <a:blip r:embed="rId2"/>
-          <a:stretch>
-            <a:fillRect/>
-          </a:stretch>
-        </p:blipFill>
-        <p:spPr>
-          <a:xfrm>
-            <a:off x="5619049" y="1412777"/>
-            <a:ext cx="3416850" cy="5040560"/>
-          </a:xfrm>
-          <a:prstGeom prst="rect">
-            <a:avLst/>
-          </a:prstGeom>
-        </p:spPr>
-      </p:pic>
     </p:spTree>
     <p:extLst>
       <p:ext uri="{BB962C8B-B14F-4D97-AF65-F5344CB8AC3E}">
-        <p14:creationId xmlns:p14="http://schemas.microsoft.com/office/powerpoint/2010/main" val="1138190459"/>
+        <p14:creationId xmlns:p14="http://schemas.microsoft.com/office/powerpoint/2010/main" val="1548421521"/>
       </p:ext>
     </p:extLst>
   </p:cSld>
@@ -5385,269 +5539,6 @@
 </file>
 
 <file path=ppt/slides/slide20.xml><?xml version="1.0" encoding="utf-8"?>
-<p:sld xmlns:a="http://schemas.openxmlformats.org/drawingml/2006/main" xmlns:r="http://schemas.openxmlformats.org/officeDocument/2006/relationships" xmlns:p="http://schemas.openxmlformats.org/presentationml/2006/main">
-  <p:cSld>
-    <p:spTree>
-      <p:nvGrpSpPr>
-        <p:cNvPr id="1" name=""/>
-        <p:cNvGrpSpPr/>
-        <p:nvPr/>
-      </p:nvGrpSpPr>
-      <p:grpSpPr>
-        <a:xfrm>
-          <a:off x="0" y="0"/>
-          <a:ext cx="0" cy="0"/>
-          <a:chOff x="0" y="0"/>
-          <a:chExt cx="0" cy="0"/>
-        </a:xfrm>
-      </p:grpSpPr>
-      <p:sp>
-        <p:nvSpPr>
-          <p:cNvPr id="2" name="Titre 1"/>
-          <p:cNvSpPr>
-            <a:spLocks noGrp="1"/>
-          </p:cNvSpPr>
-          <p:nvPr>
-            <p:ph type="title"/>
-          </p:nvPr>
-        </p:nvSpPr>
-        <p:spPr/>
-        <p:txBody>
-          <a:bodyPr/>
-          <a:lstStyle/>
-          <a:p>
-            <a:r>
-              <a:rPr lang="fr-FR" dirty="0" err="1"/>
-              <a:t>Reduce</a:t>
-            </a:r>
-            <a:endParaRPr lang="fr-FR" dirty="0"/>
-          </a:p>
-        </p:txBody>
-      </p:sp>
-      <p:sp>
-        <p:nvSpPr>
-          <p:cNvPr id="3" name="Espace réservé du contenu 2"/>
-          <p:cNvSpPr>
-            <a:spLocks noGrp="1"/>
-          </p:cNvSpPr>
-          <p:nvPr>
-            <p:ph idx="1"/>
-          </p:nvPr>
-        </p:nvSpPr>
-        <p:spPr/>
-        <p:txBody>
-          <a:bodyPr/>
-          <a:lstStyle/>
-          <a:p>
-            <a:r>
-              <a:rPr lang="fr-FR" sz="2400" dirty="0"/>
-              <a:t>A quoi sert le </a:t>
-            </a:r>
-            <a:r>
-              <a:rPr lang="fr-FR" sz="2400" dirty="0" err="1"/>
-              <a:t>reduce</a:t>
-            </a:r>
-            <a:r>
-              <a:rPr lang="fr-FR" sz="2400" dirty="0"/>
-              <a:t> ?</a:t>
-            </a:r>
-          </a:p>
-          <a:p>
-            <a:pPr lvl="1"/>
-            <a:r>
-              <a:rPr lang="fr-FR" sz="2000" dirty="0"/>
-              <a:t>Permet de faire des opérations d’agrégation en une ligne</a:t>
-            </a:r>
-          </a:p>
-          <a:p>
-            <a:pPr lvl="1"/>
-            <a:r>
-              <a:rPr lang="fr-FR" sz="2000" dirty="0"/>
-              <a:t>Par exemple il n’existe pas l’équivalent de </a:t>
-            </a:r>
-            <a:r>
-              <a:rPr lang="fr-FR" sz="2000" dirty="0" err="1"/>
-              <a:t>sum</a:t>
-            </a:r>
-            <a:r>
-              <a:rPr lang="fr-FR" sz="2000" dirty="0"/>
-              <a:t> pour la multiplication</a:t>
-            </a:r>
-          </a:p>
-          <a:p>
-            <a:pPr lvl="1"/>
-            <a:r>
-              <a:rPr lang="fr-FR" sz="2000" dirty="0" err="1"/>
-              <a:t>print</a:t>
-            </a:r>
-            <a:r>
-              <a:rPr lang="fr-FR" sz="2000" dirty="0"/>
-              <a:t>(</a:t>
-            </a:r>
-            <a:r>
-              <a:rPr lang="fr-FR" sz="2000" dirty="0" err="1"/>
-              <a:t>sum</a:t>
-            </a:r>
-            <a:r>
-              <a:rPr lang="fr-FR" sz="2000" dirty="0"/>
-              <a:t>(range(10))) # donne 45</a:t>
-            </a:r>
-          </a:p>
-          <a:p>
-            <a:pPr lvl="1"/>
-            <a:r>
-              <a:rPr lang="en-US" sz="2000" dirty="0"/>
-              <a:t>print(reduce(lambda a, b: a * b, range(1, 11))) # </a:t>
-            </a:r>
-            <a:r>
-              <a:rPr lang="en-US" sz="2000" dirty="0" err="1"/>
-              <a:t>donne</a:t>
-            </a:r>
-            <a:r>
-              <a:rPr lang="en-US" sz="2000" dirty="0"/>
-              <a:t> 3628800</a:t>
-            </a:r>
-          </a:p>
-          <a:p>
-            <a:r>
-              <a:rPr lang="en-US" sz="2400" dirty="0" err="1"/>
-              <a:t>Combiné</a:t>
-            </a:r>
-            <a:r>
-              <a:rPr lang="en-US" sz="2400" dirty="0"/>
-              <a:t> à map, </a:t>
-            </a:r>
-            <a:r>
-              <a:rPr lang="en-US" sz="2400" dirty="0" err="1"/>
-              <a:t>peut</a:t>
-            </a:r>
-            <a:r>
-              <a:rPr lang="en-US" sz="2400" dirty="0"/>
-              <a:t> donner un </a:t>
-            </a:r>
-            <a:r>
-              <a:rPr lang="en-US" sz="2400" dirty="0" err="1"/>
-              <a:t>résultat</a:t>
-            </a:r>
-            <a:r>
-              <a:rPr lang="en-US" sz="2400" dirty="0"/>
-              <a:t> </a:t>
-            </a:r>
-            <a:r>
-              <a:rPr lang="en-US" sz="2400" dirty="0" err="1"/>
-              <a:t>très</a:t>
-            </a:r>
-            <a:r>
-              <a:rPr lang="en-US" sz="2400" dirty="0"/>
-              <a:t> puissant</a:t>
-            </a:r>
-          </a:p>
-          <a:p>
-            <a:pPr lvl="1"/>
-            <a:r>
-              <a:rPr lang="en-US" sz="2000" dirty="0" err="1"/>
-              <a:t>Très</a:t>
-            </a:r>
-            <a:r>
-              <a:rPr lang="en-US" sz="2000" dirty="0"/>
-              <a:t> </a:t>
-            </a:r>
-            <a:r>
-              <a:rPr lang="en-US" sz="2000" dirty="0" err="1"/>
-              <a:t>cryptique</a:t>
-            </a:r>
-            <a:endParaRPr lang="en-US" sz="2000" dirty="0"/>
-          </a:p>
-          <a:p>
-            <a:r>
-              <a:rPr lang="en-US" sz="2400" dirty="0" err="1"/>
-              <a:t>Peut</a:t>
-            </a:r>
-            <a:r>
-              <a:rPr lang="en-US" sz="2400" dirty="0"/>
-              <a:t> se </a:t>
-            </a:r>
-            <a:r>
-              <a:rPr lang="en-US" sz="2400" dirty="0" err="1"/>
-              <a:t>réecrire</a:t>
-            </a:r>
-            <a:r>
-              <a:rPr lang="en-US" sz="2400" dirty="0"/>
-              <a:t> avec </a:t>
-            </a:r>
-            <a:r>
-              <a:rPr lang="en-US" sz="2400" dirty="0" err="1"/>
-              <a:t>une</a:t>
-            </a:r>
-            <a:r>
-              <a:rPr lang="en-US" sz="2400" dirty="0"/>
-              <a:t> </a:t>
-            </a:r>
-            <a:r>
-              <a:rPr lang="en-US" sz="2400" dirty="0" err="1"/>
-              <a:t>liste</a:t>
-            </a:r>
-            <a:r>
-              <a:rPr lang="en-US" sz="2400" dirty="0"/>
-              <a:t> </a:t>
-            </a:r>
-            <a:r>
-              <a:rPr lang="en-US" sz="2400" dirty="0" err="1"/>
-              <a:t>en</a:t>
-            </a:r>
-            <a:r>
-              <a:rPr lang="en-US" sz="2400" dirty="0"/>
-              <a:t> intention</a:t>
-            </a:r>
-          </a:p>
-          <a:p>
-            <a:pPr lvl="1"/>
-            <a:r>
-              <a:rPr lang="en-US" sz="2000" dirty="0"/>
-              <a:t>Map correspond à la </a:t>
-            </a:r>
-            <a:r>
-              <a:rPr lang="en-US" sz="2000" dirty="0" err="1"/>
-              <a:t>partie</a:t>
-            </a:r>
-            <a:r>
-              <a:rPr lang="en-US" sz="2000" dirty="0"/>
-              <a:t> gauche et filter à la </a:t>
-            </a:r>
-            <a:r>
-              <a:rPr lang="en-US" sz="2000" dirty="0" err="1"/>
-              <a:t>partie</a:t>
-            </a:r>
-            <a:r>
-              <a:rPr lang="en-US" sz="2000" dirty="0"/>
-              <a:t> </a:t>
-            </a:r>
-            <a:r>
-              <a:rPr lang="en-US" sz="2000" dirty="0" err="1"/>
-              <a:t>droite</a:t>
-            </a:r>
-            <a:endParaRPr lang="fr-FR" sz="2000" dirty="0"/>
-          </a:p>
-          <a:p>
-            <a:pPr lvl="1"/>
-            <a:endParaRPr lang="fr-FR" sz="2000" dirty="0"/>
-          </a:p>
-        </p:txBody>
-      </p:sp>
-    </p:spTree>
-    <p:extLst>
-      <p:ext uri="{BB962C8B-B14F-4D97-AF65-F5344CB8AC3E}">
-        <p14:creationId xmlns:p14="http://schemas.microsoft.com/office/powerpoint/2010/main" val="1548421521"/>
-      </p:ext>
-    </p:extLst>
-  </p:cSld>
-  <p:clrMapOvr>
-    <a:masterClrMapping/>
-  </p:clrMapOvr>
-</p:sld>
-</file>
-
-<file path=ppt/slides/slide21.xml><?xml version="1.0" encoding="utf-8"?>
 <p:sld xmlns:a="http://schemas.openxmlformats.org/drawingml/2006/main" xmlns:r="http://schemas.openxmlformats.org/officeDocument/2006/relationships" xmlns:p="http://schemas.openxmlformats.org/presentationml/2006/main">
   <p:cSld>
     <p:spTree>
@@ -5804,7 +5695,7 @@
 </p:sld>
 </file>
 
-<file path=ppt/slides/slide22.xml><?xml version="1.0" encoding="utf-8"?>
+<file path=ppt/slides/slide21.xml><?xml version="1.0" encoding="utf-8"?>
 <p:sld xmlns:a="http://schemas.openxmlformats.org/drawingml/2006/main" xmlns:r="http://schemas.openxmlformats.org/officeDocument/2006/relationships" xmlns:p="http://schemas.openxmlformats.org/presentationml/2006/main">
   <p:cSld>
     <p:spTree>
@@ -5929,7 +5820,7 @@
 </p:sld>
 </file>
 
-<file path=ppt/slides/slide23.xml><?xml version="1.0" encoding="utf-8"?>
+<file path=ppt/slides/slide22.xml><?xml version="1.0" encoding="utf-8"?>
 <p:sld xmlns:a="http://schemas.openxmlformats.org/drawingml/2006/main" xmlns:r="http://schemas.openxmlformats.org/officeDocument/2006/relationships" xmlns:p="http://schemas.openxmlformats.org/presentationml/2006/main">
   <p:cSld>
     <p:spTree>
@@ -7066,10 +6957,39 @@
           <a:lstStyle/>
           <a:p>
             <a:r>
+              <a:rPr lang="fr-FR" dirty="0"/>
+              <a:t>__</a:t>
+            </a:r>
+            <a:r>
               <a:rPr lang="fr-FR" dirty="0" err="1"/>
-              <a:t>MyPy</a:t>
-            </a:r>
-            <a:endParaRPr lang="fr-FR" dirty="0"/>
+              <a:t>getattr</a:t>
+            </a:r>
+            <a:r>
+              <a:rPr lang="fr-FR" dirty="0"/>
+              <a:t>__</a:t>
+            </a:r>
+          </a:p>
+        </p:txBody>
+      </p:sp>
+      <p:sp>
+        <p:nvSpPr>
+          <p:cNvPr id="3" name="Espace réservé du contenu 2"/>
+          <p:cNvSpPr>
+            <a:spLocks noGrp="1"/>
+          </p:cNvSpPr>
+          <p:nvPr>
+            <p:ph idx="1"/>
+          </p:nvPr>
+        </p:nvSpPr>
+        <p:spPr/>
+        <p:txBody>
+          <a:bodyPr/>
+          <a:lstStyle/>
+          <a:p>
+            <a:r>
+              <a:rPr lang="fr-FR" dirty="0"/>
+              <a:t>C’est la méthode qui est appelée lorsque Python accède à un attribut</a:t>
+            </a:r>
           </a:p>
         </p:txBody>
       </p:sp>
@@ -7089,8 +7009,8 @@
         </p:blipFill>
         <p:spPr>
           <a:xfrm>
-            <a:off x="0" y="2060848"/>
-            <a:ext cx="9144000" cy="2880319"/>
+            <a:off x="1822" y="2318568"/>
+            <a:ext cx="6586402" cy="4134797"/>
           </a:xfrm>
           <a:prstGeom prst="rect">
             <a:avLst/>
@@ -7100,7 +7020,7 @@
     </p:spTree>
     <p:extLst>
       <p:ext uri="{BB962C8B-B14F-4D97-AF65-F5344CB8AC3E}">
-        <p14:creationId xmlns:p14="http://schemas.microsoft.com/office/powerpoint/2010/main" val="1672951942"/>
+        <p14:creationId xmlns:p14="http://schemas.microsoft.com/office/powerpoint/2010/main" val="3643471913"/>
       </p:ext>
     </p:extLst>
   </p:cSld>
